--- a/01_03-BusinessLogicProject.pptx
+++ b/01_03-BusinessLogicProject.pptx
@@ -616,7 +616,7 @@
           <a:p>
             <a:fld id="{02243223-8F5B-47D4-B6E3-70CECE8A9622}" type="datetimeFigureOut">
               <a:rPr lang="en-US" smtClean="0"/>
-              <a:t>5/29/2018</a:t>
+              <a:t>5/30/2018</a:t>
             </a:fld>
             <a:endParaRPr lang="en-US"/>
           </a:p>
@@ -1509,7 +1509,7 @@
           <a:p>
             <a:fld id="{1A31F165-79DF-43A7-AB31-D5853D8F6D03}" type="datetimeFigureOut">
               <a:rPr lang="en-US" smtClean="0"/>
-              <a:t>5/29/2018</a:t>
+              <a:t>5/30/2018</a:t>
             </a:fld>
             <a:endParaRPr lang="en-US"/>
           </a:p>
@@ -1707,7 +1707,7 @@
           <a:p>
             <a:fld id="{1A31F165-79DF-43A7-AB31-D5853D8F6D03}" type="datetimeFigureOut">
               <a:rPr lang="en-US" smtClean="0"/>
-              <a:t>5/29/2018</a:t>
+              <a:t>5/30/2018</a:t>
             </a:fld>
             <a:endParaRPr lang="en-US"/>
           </a:p>
@@ -4495,7 +4495,7 @@
               <a:pPr>
                 <a:defRPr/>
               </a:pPr>
-              <a:t>5/29/2018</a:t>
+              <a:t>5/30/2018</a:t>
             </a:fld>
             <a:endParaRPr lang="en-US" altLang="en-US"/>
           </a:p>
@@ -5219,6 +5219,7 @@
     </p:tnLst>
     <p:bldLst>
       <p:bldP spid="8" grpId="0" build="p" autoUpdateAnimBg="0"/>
+      <p:bldP spid="8" grpId="1" build="p" autoUpdateAnimBg="0"/>
     </p:bldLst>
   </p:timing>
   <p:txStyles>
@@ -11332,7 +11333,7 @@
           <a:effectLst/>
           <a:extLst>
             <a:ext uri="{AF507438-7753-43e0-B8FC-AC1667EBCBE1}">
-              <a14:hiddenEffects xmlns:a14="http://schemas.microsoft.com/office/drawing/2010/main" xmlns="">
+              <a14:hiddenEffects xmlns="" xmlns:a14="http://schemas.microsoft.com/office/drawing/2010/main">
                 <a:effectLst>
                   <a:outerShdw blurRad="63500" dist="38099" dir="2700000" algn="ctr" rotWithShape="0">
                     <a:schemeClr val="bg2">
@@ -11424,7 +11425,7 @@
           <a:effectLst/>
           <a:extLst>
             <a:ext uri="{AF507438-7753-43e0-B8FC-AC1667EBCBE1}">
-              <a14:hiddenEffects xmlns:a14="http://schemas.microsoft.com/office/drawing/2010/main" xmlns="">
+              <a14:hiddenEffects xmlns="" xmlns:a14="http://schemas.microsoft.com/office/drawing/2010/main">
                 <a:effectLst>
                   <a:outerShdw blurRad="63500" dist="38099" dir="2700000" algn="ctr" rotWithShape="0">
                     <a:schemeClr val="bg2">
@@ -11516,7 +11517,7 @@
           <a:effectLst/>
           <a:extLst>
             <a:ext uri="{AF507438-7753-43e0-B8FC-AC1667EBCBE1}">
-              <a14:hiddenEffects xmlns:a14="http://schemas.microsoft.com/office/drawing/2010/main" xmlns="">
+              <a14:hiddenEffects xmlns="" xmlns:a14="http://schemas.microsoft.com/office/drawing/2010/main">
                 <a:effectLst>
                   <a:outerShdw blurRad="63500" dist="38099" dir="2700000" algn="ctr" rotWithShape="0">
                     <a:schemeClr val="bg2">
@@ -11879,7 +11880,7 @@
           <a:effectLst/>
           <a:extLst>
             <a:ext uri="{AF507438-7753-43e0-B8FC-AC1667EBCBE1}">
-              <a14:hiddenEffects xmlns:a14="http://schemas.microsoft.com/office/drawing/2010/main" xmlns="">
+              <a14:hiddenEffects xmlns="" xmlns:a14="http://schemas.microsoft.com/office/drawing/2010/main">
                 <a:effectLst>
                   <a:outerShdw blurRad="63500" dist="38099" dir="2700000" algn="ctr" rotWithShape="0">
                     <a:schemeClr val="bg2">
@@ -12018,7 +12019,7 @@
           <a:effectLst/>
           <a:extLst>
             <a:ext uri="{AF507438-7753-43e0-B8FC-AC1667EBCBE1}">
-              <a14:hiddenEffects xmlns:a14="http://schemas.microsoft.com/office/drawing/2010/main" xmlns="">
+              <a14:hiddenEffects xmlns="" xmlns:a14="http://schemas.microsoft.com/office/drawing/2010/main">
                 <a:effectLst>
                   <a:outerShdw blurRad="63500" dist="38099" dir="2700000" algn="ctr" rotWithShape="0">
                     <a:schemeClr val="bg2">
@@ -12261,7 +12262,7 @@
           <a:effectLst/>
           <a:extLst>
             <a:ext uri="{AF507438-7753-43e0-B8FC-AC1667EBCBE1}">
-              <a14:hiddenEffects xmlns:a14="http://schemas.microsoft.com/office/drawing/2010/main" xmlns="">
+              <a14:hiddenEffects xmlns="" xmlns:a14="http://schemas.microsoft.com/office/drawing/2010/main">
                 <a:effectLst>
                   <a:outerShdw blurRad="63500" dist="38099" dir="2700000" algn="ctr" rotWithShape="0">
                     <a:schemeClr val="bg2">
@@ -12844,7 +12845,7 @@
         <a:effectLst/>
         <a:extLst>
           <a:ext uri="{AF507438-7753-43e0-B8FC-AC1667EBCBE1}">
-            <a14:hiddenEffects xmlns:a14="http://schemas.microsoft.com/office/drawing/2010/main" xmlns="">
+            <a14:hiddenEffects xmlns="" xmlns:a14="http://schemas.microsoft.com/office/drawing/2010/main">
               <a:effectLst>
                 <a:outerShdw blurRad="63500" dist="38099" dir="2700000" algn="ctr" rotWithShape="0">
                   <a:schemeClr val="bg2">
@@ -12924,7 +12925,7 @@
         <a:effectLst/>
         <a:extLst>
           <a:ext uri="{AF507438-7753-43e0-B8FC-AC1667EBCBE1}">
-            <a14:hiddenEffects xmlns:a14="http://schemas.microsoft.com/office/drawing/2010/main" xmlns="">
+            <a14:hiddenEffects xmlns="" xmlns:a14="http://schemas.microsoft.com/office/drawing/2010/main">
               <a:effectLst>
                 <a:outerShdw blurRad="63500" dist="38099" dir="2700000" algn="ctr" rotWithShape="0">
                   <a:schemeClr val="bg2">
@@ -13598,7 +13599,7 @@
         <a:effectLst/>
         <a:extLst>
           <a:ext uri="{AF507438-7753-43e0-B8FC-AC1667EBCBE1}">
-            <a14:hiddenEffects xmlns:a14="http://schemas.microsoft.com/office/drawing/2010/main" xmlns="">
+            <a14:hiddenEffects xmlns="" xmlns:a14="http://schemas.microsoft.com/office/drawing/2010/main">
               <a:effectLst>
                 <a:outerShdw blurRad="63500" dist="38099" dir="2700000" algn="ctr" rotWithShape="0">
                   <a:schemeClr val="bg2">
@@ -13678,7 +13679,7 @@
         <a:effectLst/>
         <a:extLst>
           <a:ext uri="{AF507438-7753-43e0-B8FC-AC1667EBCBE1}">
-            <a14:hiddenEffects xmlns:a14="http://schemas.microsoft.com/office/drawing/2010/main" xmlns="">
+            <a14:hiddenEffects xmlns="" xmlns:a14="http://schemas.microsoft.com/office/drawing/2010/main">
               <a:effectLst>
                 <a:outerShdw blurRad="63500" dist="38099" dir="2700000" algn="ctr" rotWithShape="0">
                   <a:schemeClr val="bg2">
@@ -14352,7 +14353,7 @@
         <a:effectLst/>
         <a:extLst>
           <a:ext uri="{AF507438-7753-43e0-B8FC-AC1667EBCBE1}">
-            <a14:hiddenEffects xmlns:a14="http://schemas.microsoft.com/office/drawing/2010/main" xmlns="">
+            <a14:hiddenEffects xmlns="" xmlns:a14="http://schemas.microsoft.com/office/drawing/2010/main">
               <a:effectLst>
                 <a:outerShdw blurRad="63500" dist="38099" dir="2700000" algn="ctr" rotWithShape="0">
                   <a:schemeClr val="bg2">
@@ -14432,7 +14433,7 @@
         <a:effectLst/>
         <a:extLst>
           <a:ext uri="{AF507438-7753-43e0-B8FC-AC1667EBCBE1}">
-            <a14:hiddenEffects xmlns:a14="http://schemas.microsoft.com/office/drawing/2010/main" xmlns="">
+            <a14:hiddenEffects xmlns="" xmlns:a14="http://schemas.microsoft.com/office/drawing/2010/main">
               <a:effectLst>
                 <a:outerShdw blurRad="63500" dist="38099" dir="2700000" algn="ctr" rotWithShape="0">
                   <a:schemeClr val="bg2">
@@ -14781,7 +14782,7 @@
         <a:effectLst/>
         <a:extLst>
           <a:ext uri="{AF507438-7753-43e0-B8FC-AC1667EBCBE1}">
-            <a14:hiddenEffects xmlns:a14="http://schemas.microsoft.com/office/drawing/2010/main" xmlns="">
+            <a14:hiddenEffects xmlns="" xmlns:a14="http://schemas.microsoft.com/office/drawing/2010/main">
               <a:effectLst>
                 <a:outerShdw blurRad="63500" dist="38099" dir="2700000" algn="ctr" rotWithShape="0">
                   <a:schemeClr val="bg2">
@@ -14861,7 +14862,7 @@
         <a:effectLst/>
         <a:extLst>
           <a:ext uri="{AF507438-7753-43e0-B8FC-AC1667EBCBE1}">
-            <a14:hiddenEffects xmlns:a14="http://schemas.microsoft.com/office/drawing/2010/main" xmlns="">
+            <a14:hiddenEffects xmlns="" xmlns:a14="http://schemas.microsoft.com/office/drawing/2010/main">
               <a:effectLst>
                 <a:outerShdw blurRad="63500" dist="38099" dir="2700000" algn="ctr" rotWithShape="0">
                   <a:schemeClr val="bg2">
@@ -15210,7 +15211,7 @@
         <a:effectLst/>
         <a:extLst>
           <a:ext uri="{AF507438-7753-43e0-B8FC-AC1667EBCBE1}">
-            <a14:hiddenEffects xmlns:a14="http://schemas.microsoft.com/office/drawing/2010/main" xmlns="">
+            <a14:hiddenEffects xmlns="" xmlns:a14="http://schemas.microsoft.com/office/drawing/2010/main">
               <a:effectLst>
                 <a:outerShdw blurRad="63500" dist="38099" dir="2700000" algn="ctr" rotWithShape="0">
                   <a:schemeClr val="bg2">
@@ -15290,7 +15291,7 @@
         <a:effectLst/>
         <a:extLst>
           <a:ext uri="{AF507438-7753-43e0-B8FC-AC1667EBCBE1}">
-            <a14:hiddenEffects xmlns:a14="http://schemas.microsoft.com/office/drawing/2010/main" xmlns="">
+            <a14:hiddenEffects xmlns="" xmlns:a14="http://schemas.microsoft.com/office/drawing/2010/main">
               <a:effectLst>
                 <a:outerShdw blurRad="63500" dist="38099" dir="2700000" algn="ctr" rotWithShape="0">
                   <a:schemeClr val="bg2">
@@ -15639,7 +15640,7 @@
         <a:effectLst/>
         <a:extLst>
           <a:ext uri="{AF507438-7753-43e0-B8FC-AC1667EBCBE1}">
-            <a14:hiddenEffects xmlns:a14="http://schemas.microsoft.com/office/drawing/2010/main" xmlns="">
+            <a14:hiddenEffects xmlns="" xmlns:a14="http://schemas.microsoft.com/office/drawing/2010/main">
               <a:effectLst>
                 <a:outerShdw blurRad="63500" dist="38099" dir="2700000" algn="ctr" rotWithShape="0">
                   <a:schemeClr val="bg2">
@@ -15719,7 +15720,7 @@
         <a:effectLst/>
         <a:extLst>
           <a:ext uri="{AF507438-7753-43e0-B8FC-AC1667EBCBE1}">
-            <a14:hiddenEffects xmlns:a14="http://schemas.microsoft.com/office/drawing/2010/main" xmlns="">
+            <a14:hiddenEffects xmlns="" xmlns:a14="http://schemas.microsoft.com/office/drawing/2010/main">
               <a:effectLst>
                 <a:outerShdw blurRad="63500" dist="38099" dir="2700000" algn="ctr" rotWithShape="0">
                   <a:schemeClr val="bg2">
